--- a/DSP/Ditte-Powerpoints/dspExamQ1.pptx
+++ b/DSP/Ditte-Powerpoints/dspExamQ1.pptx
@@ -5,7 +5,7 @@
     <p:sldMasterId id="2147483648" r:id="rId1"/>
   </p:sldMasterIdLst>
   <p:notesMasterIdLst>
-    <p:notesMasterId r:id="rId13"/>
+    <p:notesMasterId r:id="rId14"/>
   </p:notesMasterIdLst>
   <p:sldIdLst>
     <p:sldId id="256" r:id="rId2"/>
@@ -18,7 +18,8 @@
     <p:sldId id="259" r:id="rId9"/>
     <p:sldId id="260" r:id="rId10"/>
     <p:sldId id="261" r:id="rId11"/>
-    <p:sldId id="263" r:id="rId12"/>
+    <p:sldId id="271" r:id="rId12"/>
+    <p:sldId id="263" r:id="rId13"/>
   </p:sldIdLst>
   <p:sldSz cx="12192000" cy="6858000"/>
   <p:notesSz cx="6858000" cy="9144000"/>
@@ -128,13 +129,60 @@
 <file path=ppt/revisionInfo.xml><?xml version="1.0" encoding="utf-8"?>
 <p1510:revInfo xmlns:a="http://schemas.openxmlformats.org/drawingml/2006/main" xmlns:r="http://schemas.openxmlformats.org/officeDocument/2006/relationships" xmlns:p1510="http://schemas.microsoft.com/office/powerpoint/2015/10/main">
   <p1510:revLst>
-    <p1510:client id="{6F405806-DFE1-4A9E-88A1-6397800A9096}" v="108" dt="2024-12-27T08:15:09.590"/>
+    <p1510:client id="{5B98BE9D-537D-453B-855A-854475B527DA}" v="2" dt="2025-01-15T14:49:19.544"/>
   </p1510:revLst>
 </p1510:revInfo>
 </file>
 
 <file path=ppt/changesInfos/changesInfo1.xml><?xml version="1.0" encoding="utf-8"?>
 <pc:chgInfo xmlns:a="http://schemas.openxmlformats.org/drawingml/2006/main" xmlns:r="http://schemas.openxmlformats.org/officeDocument/2006/relationships" xmlns:ac="http://schemas.microsoft.com/office/drawing/2013/main/command" xmlns:pc="http://schemas.microsoft.com/office/powerpoint/2013/main/command">
+  <pc:docChgLst>
+    <pc:chgData name="Ditte Filskov Theilgaard" userId="150196ba-3d64-4ece-aa51-395739ba31e6" providerId="ADAL" clId="{5B98BE9D-537D-453B-855A-854475B527DA}"/>
+    <pc:docChg chg="custSel addSld modSld">
+      <pc:chgData name="Ditte Filskov Theilgaard" userId="150196ba-3d64-4ece-aa51-395739ba31e6" providerId="ADAL" clId="{5B98BE9D-537D-453B-855A-854475B527DA}" dt="2025-01-15T15:00:35.490" v="33" actId="20577"/>
+      <pc:docMkLst>
+        <pc:docMk/>
+      </pc:docMkLst>
+      <pc:sldChg chg="addSp modSp mod">
+        <pc:chgData name="Ditte Filskov Theilgaard" userId="150196ba-3d64-4ece-aa51-395739ba31e6" providerId="ADAL" clId="{5B98BE9D-537D-453B-855A-854475B527DA}" dt="2025-01-15T12:08:01.736" v="4" actId="1076"/>
+        <pc:sldMkLst>
+          <pc:docMk/>
+          <pc:sldMk cId="1910741680" sldId="267"/>
+        </pc:sldMkLst>
+        <pc:picChg chg="add mod">
+          <ac:chgData name="Ditte Filskov Theilgaard" userId="150196ba-3d64-4ece-aa51-395739ba31e6" providerId="ADAL" clId="{5B98BE9D-537D-453B-855A-854475B527DA}" dt="2025-01-15T12:08:01.736" v="4" actId="1076"/>
+          <ac:picMkLst>
+            <pc:docMk/>
+            <pc:sldMk cId="1910741680" sldId="267"/>
+            <ac:picMk id="5" creationId="{BA06B555-CAD8-2066-53D9-81B9A3A966ED}"/>
+          </ac:picMkLst>
+        </pc:picChg>
+      </pc:sldChg>
+      <pc:sldChg chg="addSp modSp new mod modClrScheme chgLayout">
+        <pc:chgData name="Ditte Filskov Theilgaard" userId="150196ba-3d64-4ece-aa51-395739ba31e6" providerId="ADAL" clId="{5B98BE9D-537D-453B-855A-854475B527DA}" dt="2025-01-15T15:00:35.490" v="33" actId="20577"/>
+        <pc:sldMkLst>
+          <pc:docMk/>
+          <pc:sldMk cId="913582541" sldId="271"/>
+        </pc:sldMkLst>
+        <pc:spChg chg="mod ord">
+          <ac:chgData name="Ditte Filskov Theilgaard" userId="150196ba-3d64-4ece-aa51-395739ba31e6" providerId="ADAL" clId="{5B98BE9D-537D-453B-855A-854475B527DA}" dt="2025-01-15T15:00:27.122" v="6" actId="700"/>
+          <ac:spMkLst>
+            <pc:docMk/>
+            <pc:sldMk cId="913582541" sldId="271"/>
+            <ac:spMk id="2" creationId="{CAA7FF90-E66D-CFAF-0C46-7E85C91588A6}"/>
+          </ac:spMkLst>
+        </pc:spChg>
+        <pc:spChg chg="add mod ord">
+          <ac:chgData name="Ditte Filskov Theilgaard" userId="150196ba-3d64-4ece-aa51-395739ba31e6" providerId="ADAL" clId="{5B98BE9D-537D-453B-855A-854475B527DA}" dt="2025-01-15T15:00:35.490" v="33" actId="20577"/>
+          <ac:spMkLst>
+            <pc:docMk/>
+            <pc:sldMk cId="913582541" sldId="271"/>
+            <ac:spMk id="3" creationId="{88F16BB1-8BB3-D715-A797-76B1AEE0B2B8}"/>
+          </ac:spMkLst>
+        </pc:spChg>
+      </pc:sldChg>
+    </pc:docChg>
+  </pc:docChgLst>
   <pc:docChgLst>
     <pc:chgData name="Ditte Filskov Theilgaard" userId="150196ba-3d64-4ece-aa51-395739ba31e6" providerId="ADAL" clId="{6F405806-DFE1-4A9E-88A1-6397800A9096}"/>
     <pc:docChg chg="undo custSel addSld delSld modSld modMainMaster">
@@ -164,14 +212,6 @@
             <ac:spMk id="3" creationId="{512E0D51-808C-F508-EA5F-9DA7C0355808}"/>
           </ac:spMkLst>
         </pc:spChg>
-        <pc:spChg chg="add del">
-          <ac:chgData name="Ditte Filskov Theilgaard" userId="150196ba-3d64-4ece-aa51-395739ba31e6" providerId="ADAL" clId="{6F405806-DFE1-4A9E-88A1-6397800A9096}" dt="2024-12-27T07:16:32.127" v="17" actId="26606"/>
-          <ac:spMkLst>
-            <pc:docMk/>
-            <pc:sldMk cId="1210934696" sldId="256"/>
-            <ac:spMk id="1033" creationId="{71B2258F-86CA-4D4D-8270-BC05FCDEBFB3}"/>
-          </ac:spMkLst>
-        </pc:spChg>
         <pc:spChg chg="add">
           <ac:chgData name="Ditte Filskov Theilgaard" userId="150196ba-3d64-4ece-aa51-395739ba31e6" providerId="ADAL" clId="{6F405806-DFE1-4A9E-88A1-6397800A9096}" dt="2024-12-27T07:16:32.127" v="18" actId="26606"/>
           <ac:spMkLst>
@@ -188,14 +228,6 @@
             <ac:spMk id="1036" creationId="{C1DD1A8A-57D5-4A81-AD04-532B043C5611}"/>
           </ac:spMkLst>
         </pc:spChg>
-        <pc:picChg chg="add del mod">
-          <ac:chgData name="Ditte Filskov Theilgaard" userId="150196ba-3d64-4ece-aa51-395739ba31e6" providerId="ADAL" clId="{6F405806-DFE1-4A9E-88A1-6397800A9096}" dt="2024-12-27T07:16:14.988" v="12" actId="478"/>
-          <ac:picMkLst>
-            <pc:docMk/>
-            <pc:sldMk cId="1210934696" sldId="256"/>
-            <ac:picMk id="1026" creationId="{0AE21E94-7E94-D128-8EAD-5D0023010DA3}"/>
-          </ac:picMkLst>
-        </pc:picChg>
         <pc:picChg chg="add mod ord">
           <ac:chgData name="Ditte Filskov Theilgaard" userId="150196ba-3d64-4ece-aa51-395739ba31e6" providerId="ADAL" clId="{6F405806-DFE1-4A9E-88A1-6397800A9096}" dt="2024-12-27T07:18:07.974" v="109"/>
           <ac:picMkLst>
@@ -211,38 +243,6 @@
           <pc:docMk/>
           <pc:sldMk cId="55097422" sldId="257"/>
         </pc:sldMkLst>
-        <pc:spChg chg="del mod">
-          <ac:chgData name="Ditte Filskov Theilgaard" userId="150196ba-3d64-4ece-aa51-395739ba31e6" providerId="ADAL" clId="{6F405806-DFE1-4A9E-88A1-6397800A9096}" dt="2024-12-27T07:56:43.583" v="426" actId="478"/>
-          <ac:spMkLst>
-            <pc:docMk/>
-            <pc:sldMk cId="55097422" sldId="257"/>
-            <ac:spMk id="2" creationId="{7C91908C-E92A-1D90-D0CF-332D950BCC16}"/>
-          </ac:spMkLst>
-        </pc:spChg>
-        <pc:spChg chg="del">
-          <ac:chgData name="Ditte Filskov Theilgaard" userId="150196ba-3d64-4ece-aa51-395739ba31e6" providerId="ADAL" clId="{6F405806-DFE1-4A9E-88A1-6397800A9096}" dt="2024-12-27T07:19:25.107" v="150" actId="478"/>
-          <ac:spMkLst>
-            <pc:docMk/>
-            <pc:sldMk cId="55097422" sldId="257"/>
-            <ac:spMk id="3" creationId="{064EC8EC-F656-3DDB-F5F1-59A2E0B0A91B}"/>
-          </ac:spMkLst>
-        </pc:spChg>
-        <pc:spChg chg="add del mod">
-          <ac:chgData name="Ditte Filskov Theilgaard" userId="150196ba-3d64-4ece-aa51-395739ba31e6" providerId="ADAL" clId="{6F405806-DFE1-4A9E-88A1-6397800A9096}" dt="2024-12-27T07:23:14.532" v="272" actId="478"/>
-          <ac:spMkLst>
-            <pc:docMk/>
-            <pc:sldMk cId="55097422" sldId="257"/>
-            <ac:spMk id="4" creationId="{5178AE25-41AC-1EFB-D194-0611D70B1539}"/>
-          </ac:spMkLst>
-        </pc:spChg>
-        <pc:spChg chg="add del mod">
-          <ac:chgData name="Ditte Filskov Theilgaard" userId="150196ba-3d64-4ece-aa51-395739ba31e6" providerId="ADAL" clId="{6F405806-DFE1-4A9E-88A1-6397800A9096}" dt="2024-12-27T07:56:49.264" v="429" actId="478"/>
-          <ac:spMkLst>
-            <pc:docMk/>
-            <pc:sldMk cId="55097422" sldId="257"/>
-            <ac:spMk id="8" creationId="{6C2AF690-CD82-467E-B7EE-8C3DF6FC747B}"/>
-          </ac:spMkLst>
-        </pc:spChg>
         <pc:picChg chg="add del mod">
           <ac:chgData name="Ditte Filskov Theilgaard" userId="150196ba-3d64-4ece-aa51-395739ba31e6" providerId="ADAL" clId="{6F405806-DFE1-4A9E-88A1-6397800A9096}" dt="2024-12-27T07:56:59.492" v="434" actId="14100"/>
           <ac:picMkLst>
@@ -258,22 +258,6 @@
           <pc:docMk/>
           <pc:sldMk cId="2748422129" sldId="258"/>
         </pc:sldMkLst>
-        <pc:spChg chg="del">
-          <ac:chgData name="Ditte Filskov Theilgaard" userId="150196ba-3d64-4ece-aa51-395739ba31e6" providerId="ADAL" clId="{6F405806-DFE1-4A9E-88A1-6397800A9096}" dt="2024-12-27T07:23:52.409" v="278" actId="478"/>
-          <ac:spMkLst>
-            <pc:docMk/>
-            <pc:sldMk cId="2748422129" sldId="258"/>
-            <ac:spMk id="2" creationId="{EBAFFCAB-433C-4112-A4F0-54899231D99A}"/>
-          </ac:spMkLst>
-        </pc:spChg>
-        <pc:spChg chg="del">
-          <ac:chgData name="Ditte Filskov Theilgaard" userId="150196ba-3d64-4ece-aa51-395739ba31e6" providerId="ADAL" clId="{6F405806-DFE1-4A9E-88A1-6397800A9096}" dt="2024-12-27T07:23:50.868" v="277" actId="478"/>
-          <ac:spMkLst>
-            <pc:docMk/>
-            <pc:sldMk cId="2748422129" sldId="258"/>
-            <ac:spMk id="3" creationId="{1C6DBC2B-EECA-91B6-4E61-4FED0618D938}"/>
-          </ac:spMkLst>
-        </pc:spChg>
       </pc:sldChg>
       <pc:sldChg chg="addSp new mod">
         <pc:chgData name="Ditte Filskov Theilgaard" userId="150196ba-3d64-4ece-aa51-395739ba31e6" providerId="ADAL" clId="{6F405806-DFE1-4A9E-88A1-6397800A9096}" dt="2024-12-27T07:24:24.668" v="282" actId="22"/>
@@ -311,14 +295,6 @@
           <pc:docMk/>
           <pc:sldMk cId="950978184" sldId="261"/>
         </pc:sldMkLst>
-        <pc:picChg chg="add del mod">
-          <ac:chgData name="Ditte Filskov Theilgaard" userId="150196ba-3d64-4ece-aa51-395739ba31e6" providerId="ADAL" clId="{6F405806-DFE1-4A9E-88A1-6397800A9096}" dt="2024-12-27T07:25:41.826" v="287" actId="478"/>
-          <ac:picMkLst>
-            <pc:docMk/>
-            <pc:sldMk cId="950978184" sldId="261"/>
-            <ac:picMk id="3" creationId="{E69DB9F6-B6FA-4BCE-AF25-B6A22DFA54E1}"/>
-          </ac:picMkLst>
-        </pc:picChg>
         <pc:picChg chg="add">
           <ac:chgData name="Ditte Filskov Theilgaard" userId="150196ba-3d64-4ece-aa51-395739ba31e6" providerId="ADAL" clId="{6F405806-DFE1-4A9E-88A1-6397800A9096}" dt="2024-12-27T07:25:57.945" v="288" actId="22"/>
           <ac:picMkLst>
@@ -334,14 +310,6 @@
           <pc:docMk/>
           <pc:sldMk cId="1076503356" sldId="262"/>
         </pc:sldMkLst>
-        <pc:spChg chg="add mod">
-          <ac:chgData name="Ditte Filskov Theilgaard" userId="150196ba-3d64-4ece-aa51-395739ba31e6" providerId="ADAL" clId="{6F405806-DFE1-4A9E-88A1-6397800A9096}" dt="2024-12-27T07:34:01.489" v="291"/>
-          <ac:spMkLst>
-            <pc:docMk/>
-            <pc:sldMk cId="1076503356" sldId="262"/>
-            <ac:spMk id="2" creationId="{E1892593-E009-CCDD-519D-5C581502EF4F}"/>
-          </ac:spMkLst>
-        </pc:spChg>
       </pc:sldChg>
       <pc:sldChg chg="addSp delSp modSp new mod">
         <pc:chgData name="Ditte Filskov Theilgaard" userId="150196ba-3d64-4ece-aa51-395739ba31e6" providerId="ADAL" clId="{6F405806-DFE1-4A9E-88A1-6397800A9096}" dt="2024-12-27T12:38:18.300" v="970" actId="20577"/>
@@ -365,14 +333,6 @@
             <ac:spMk id="3" creationId="{BB20DD2D-F792-2DF7-20FB-F2B7A6044092}"/>
           </ac:spMkLst>
         </pc:spChg>
-        <pc:picChg chg="add del mod ord">
-          <ac:chgData name="Ditte Filskov Theilgaard" userId="150196ba-3d64-4ece-aa51-395739ba31e6" providerId="ADAL" clId="{6F405806-DFE1-4A9E-88A1-6397800A9096}" dt="2024-12-27T08:04:32.749" v="652" actId="21"/>
-          <ac:picMkLst>
-            <pc:docMk/>
-            <pc:sldMk cId="2670513689" sldId="263"/>
-            <ac:picMk id="4" creationId="{09375DD4-2063-5923-6DD2-938CB4F7C6F0}"/>
-          </ac:picMkLst>
-        </pc:picChg>
       </pc:sldChg>
       <pc:sldChg chg="addSp delSp modSp new del mod">
         <pc:chgData name="Ditte Filskov Theilgaard" userId="150196ba-3d64-4ece-aa51-395739ba31e6" providerId="ADAL" clId="{6F405806-DFE1-4A9E-88A1-6397800A9096}" dt="2024-12-27T07:48:40.515" v="421" actId="2696"/>
@@ -380,30 +340,6 @@
           <pc:docMk/>
           <pc:sldMk cId="1094762539" sldId="264"/>
         </pc:sldMkLst>
-        <pc:spChg chg="del">
-          <ac:chgData name="Ditte Filskov Theilgaard" userId="150196ba-3d64-4ece-aa51-395739ba31e6" providerId="ADAL" clId="{6F405806-DFE1-4A9E-88A1-6397800A9096}" dt="2024-12-27T07:40:49.651" v="367" actId="478"/>
-          <ac:spMkLst>
-            <pc:docMk/>
-            <pc:sldMk cId="1094762539" sldId="264"/>
-            <ac:spMk id="3" creationId="{643711C2-6D4D-BACA-7ABC-B057167D4A79}"/>
-          </ac:spMkLst>
-        </pc:spChg>
-        <pc:picChg chg="add del mod">
-          <ac:chgData name="Ditte Filskov Theilgaard" userId="150196ba-3d64-4ece-aa51-395739ba31e6" providerId="ADAL" clId="{6F405806-DFE1-4A9E-88A1-6397800A9096}" dt="2024-12-27T07:41:49.238" v="374" actId="478"/>
-          <ac:picMkLst>
-            <pc:docMk/>
-            <pc:sldMk cId="1094762539" sldId="264"/>
-            <ac:picMk id="5" creationId="{8995B04D-46E3-F1CE-4BF7-150C062DC966}"/>
-          </ac:picMkLst>
-        </pc:picChg>
-        <pc:picChg chg="add mod">
-          <ac:chgData name="Ditte Filskov Theilgaard" userId="150196ba-3d64-4ece-aa51-395739ba31e6" providerId="ADAL" clId="{6F405806-DFE1-4A9E-88A1-6397800A9096}" dt="2024-12-27T07:41:51.653" v="376" actId="1076"/>
-          <ac:picMkLst>
-            <pc:docMk/>
-            <pc:sldMk cId="1094762539" sldId="264"/>
-            <ac:picMk id="7" creationId="{B763F393-2E38-E30E-DA55-3532A22395F0}"/>
-          </ac:picMkLst>
-        </pc:picChg>
       </pc:sldChg>
       <pc:sldChg chg="addSp delSp modSp new del mod">
         <pc:chgData name="Ditte Filskov Theilgaard" userId="150196ba-3d64-4ece-aa51-395739ba31e6" providerId="ADAL" clId="{6F405806-DFE1-4A9E-88A1-6397800A9096}" dt="2024-12-27T08:22:13.469" v="931" actId="47"/>
@@ -411,14 +347,6 @@
           <pc:docMk/>
           <pc:sldMk cId="3815223324" sldId="265"/>
         </pc:sldMkLst>
-        <pc:picChg chg="add del mod">
-          <ac:chgData name="Ditte Filskov Theilgaard" userId="150196ba-3d64-4ece-aa51-395739ba31e6" providerId="ADAL" clId="{6F405806-DFE1-4A9E-88A1-6397800A9096}" dt="2024-12-27T08:05:13.734" v="657" actId="21"/>
-          <ac:picMkLst>
-            <pc:docMk/>
-            <pc:sldMk cId="3815223324" sldId="265"/>
-            <ac:picMk id="4" creationId="{2551583C-9767-B976-1EA3-7BEC03D048C4}"/>
-          </ac:picMkLst>
-        </pc:picChg>
       </pc:sldChg>
       <pc:sldChg chg="modSp new mod">
         <pc:chgData name="Ditte Filskov Theilgaard" userId="150196ba-3d64-4ece-aa51-395739ba31e6" providerId="ADAL" clId="{6F405806-DFE1-4A9E-88A1-6397800A9096}" dt="2024-12-27T07:58:52.976" v="549" actId="20577"/>
@@ -662,7 +590,7 @@
           <a:p>
             <a:fld id="{237DF243-990D-452E-B2F0-0A24C40DD102}" type="datetimeFigureOut">
               <a:rPr lang="en-US" smtClean="0"/>
-              <a:t>12/27/2024</a:t>
+              <a:t>1/15/2025</a:t>
             </a:fld>
             <a:endParaRPr lang="en-US"/>
           </a:p>
@@ -1158,9 +1086,9 @@
           <a:bodyPr/>
           <a:lstStyle/>
           <a:p>
-            <a:fld id="{9CB904D7-2B70-4964-9B23-4E5B349F082D}" type="datetimeFigureOut">
+            <a:fld id="{92B9A4C1-1E20-400A-AECB-399D69E04A27}" type="datetime1">
               <a:rPr lang="en-US" smtClean="0"/>
-              <a:t>12/27/2024</a:t>
+              <a:t>1/15/2025</a:t>
             </a:fld>
             <a:endParaRPr lang="en-US"/>
           </a:p>
@@ -1363,9 +1291,9 @@
           <a:bodyPr/>
           <a:lstStyle/>
           <a:p>
-            <a:fld id="{9CB904D7-2B70-4964-9B23-4E5B349F082D}" type="datetimeFigureOut">
+            <a:fld id="{E27A0255-3D93-4E1B-B6D2-13F8FD5C47D2}" type="datetime1">
               <a:rPr lang="en-US" smtClean="0"/>
-              <a:t>12/27/2024</a:t>
+              <a:t>1/15/2025</a:t>
             </a:fld>
             <a:endParaRPr lang="en-US"/>
           </a:p>
@@ -1638,9 +1566,9 @@
           <a:bodyPr/>
           <a:lstStyle/>
           <a:p>
-            <a:fld id="{9CB904D7-2B70-4964-9B23-4E5B349F082D}" type="datetimeFigureOut">
+            <a:fld id="{1B361B4E-3F74-46BE-ADD1-2B9B2D7F83A0}" type="datetime1">
               <a:rPr lang="en-US" smtClean="0"/>
-              <a:t>12/27/2024</a:t>
+              <a:t>1/15/2025</a:t>
             </a:fld>
             <a:endParaRPr lang="en-US"/>
           </a:p>
@@ -1903,9 +1831,9 @@
           <a:bodyPr/>
           <a:lstStyle/>
           <a:p>
-            <a:fld id="{9CB904D7-2B70-4964-9B23-4E5B349F082D}" type="datetimeFigureOut">
+            <a:fld id="{1A292372-F7B0-482D-9E77-9AD8EEA4F2FC}" type="datetime1">
               <a:rPr lang="en-US" smtClean="0"/>
-              <a:t>12/27/2024</a:t>
+              <a:t>1/15/2025</a:t>
             </a:fld>
             <a:endParaRPr lang="en-US"/>
           </a:p>
@@ -2315,9 +2243,9 @@
           <a:bodyPr/>
           <a:lstStyle/>
           <a:p>
-            <a:fld id="{9CB904D7-2B70-4964-9B23-4E5B349F082D}" type="datetimeFigureOut">
+            <a:fld id="{6AD33531-7FAC-44D3-80FE-3BA181EE9EC0}" type="datetime1">
               <a:rPr lang="en-US" smtClean="0"/>
-              <a:t>12/27/2024</a:t>
+              <a:t>1/15/2025</a:t>
             </a:fld>
             <a:endParaRPr lang="en-US"/>
           </a:p>
@@ -2456,9 +2384,9 @@
           <a:bodyPr/>
           <a:lstStyle/>
           <a:p>
-            <a:fld id="{9CB904D7-2B70-4964-9B23-4E5B349F082D}" type="datetimeFigureOut">
+            <a:fld id="{74DF3653-0DB8-49A2-887D-10AF6AF9A044}" type="datetime1">
               <a:rPr lang="en-US" smtClean="0"/>
-              <a:t>12/27/2024</a:t>
+              <a:t>1/15/2025</a:t>
             </a:fld>
             <a:endParaRPr lang="en-US"/>
           </a:p>
@@ -2569,9 +2497,9 @@
           <a:bodyPr/>
           <a:lstStyle/>
           <a:p>
-            <a:fld id="{9CB904D7-2B70-4964-9B23-4E5B349F082D}" type="datetimeFigureOut">
+            <a:fld id="{FC6C3930-6138-4A6D-B1DC-578122EFEC31}" type="datetime1">
               <a:rPr lang="en-US" smtClean="0"/>
-              <a:t>12/27/2024</a:t>
+              <a:t>1/15/2025</a:t>
             </a:fld>
             <a:endParaRPr lang="en-US"/>
           </a:p>
@@ -2810,9 +2738,9 @@
             </a:lvl1pPr>
           </a:lstStyle>
           <a:p>
-            <a:fld id="{9CB904D7-2B70-4964-9B23-4E5B349F082D}" type="datetimeFigureOut">
+            <a:fld id="{1174991B-3398-4032-813A-318407DCAD2D}" type="datetime1">
               <a:rPr lang="en-US" smtClean="0"/>
-              <a:t>12/27/2024</a:t>
+              <a:t>1/15/2025</a:t>
             </a:fld>
             <a:endParaRPr lang="en-US"/>
           </a:p>
@@ -2925,6 +2853,7 @@
     <p:sldLayoutId id="2147483654" r:id="rId6"/>
     <p:sldLayoutId id="2147483655" r:id="rId7"/>
   </p:sldLayoutIdLst>
+  <p:hf hdr="0" ftr="0" dt="0"/>
   <p:txStyles>
     <p:titleStyle>
       <a:lvl1pPr algn="l" defTabSz="914400" rtl="0" eaLnBrk="1" latinLnBrk="0" hangingPunct="1">
@@ -3539,6 +3468,35 @@
           </a:p>
         </p:txBody>
       </p:sp>
+      <p:sp>
+        <p:nvSpPr>
+          <p:cNvPr id="4" name="Slide Number Placeholder 3">
+            <a:extLst>
+              <a:ext uri="{FF2B5EF4-FFF2-40B4-BE49-F238E27FC236}">
+                <a16:creationId xmlns:a16="http://schemas.microsoft.com/office/drawing/2014/main" id="{603FF5EE-2B57-CB4A-EA0C-D001E2EC0A09}"/>
+              </a:ext>
+            </a:extLst>
+          </p:cNvPr>
+          <p:cNvSpPr>
+            <a:spLocks noGrp="1"/>
+          </p:cNvSpPr>
+          <p:nvPr>
+            <p:ph type="sldNum" sz="quarter" idx="12"/>
+          </p:nvPr>
+        </p:nvSpPr>
+        <p:spPr/>
+        <p:txBody>
+          <a:bodyPr/>
+          <a:lstStyle/>
+          <a:p>
+            <a:fld id="{4B04BC67-DFA6-4863-89DB-B4077B3FACAF}" type="slidenum">
+              <a:rPr lang="en-US" smtClean="0"/>
+              <a:t>1</a:t>
+            </a:fld>
+            <a:endParaRPr lang="en-US"/>
+          </a:p>
+        </p:txBody>
+      </p:sp>
     </p:spTree>
     <p:extLst>
       <p:ext uri="{BB962C8B-B14F-4D97-AF65-F5344CB8AC3E}">
@@ -3599,6 +3557,35 @@
           </a:prstGeom>
         </p:spPr>
       </p:pic>
+      <p:sp>
+        <p:nvSpPr>
+          <p:cNvPr id="2" name="Slide Number Placeholder 1">
+            <a:extLst>
+              <a:ext uri="{FF2B5EF4-FFF2-40B4-BE49-F238E27FC236}">
+                <a16:creationId xmlns:a16="http://schemas.microsoft.com/office/drawing/2014/main" id="{010F1D69-5261-6E48-F52B-A13AFBCE34B9}"/>
+              </a:ext>
+            </a:extLst>
+          </p:cNvPr>
+          <p:cNvSpPr>
+            <a:spLocks noGrp="1"/>
+          </p:cNvSpPr>
+          <p:nvPr>
+            <p:ph type="sldNum" sz="quarter" idx="12"/>
+          </p:nvPr>
+        </p:nvSpPr>
+        <p:spPr/>
+        <p:txBody>
+          <a:bodyPr/>
+          <a:lstStyle/>
+          <a:p>
+            <a:fld id="{4B04BC67-DFA6-4863-89DB-B4077B3FACAF}" type="slidenum">
+              <a:rPr lang="en-US" smtClean="0"/>
+              <a:t>10</a:t>
+            </a:fld>
+            <a:endParaRPr lang="en-US"/>
+          </a:p>
+        </p:txBody>
+      </p:sp>
     </p:spTree>
     <p:extLst>
       <p:ext uri="{BB962C8B-B14F-4D97-AF65-F5344CB8AC3E}">
@@ -3631,6 +3618,105 @@
       </p:grpSpPr>
       <p:sp>
         <p:nvSpPr>
+          <p:cNvPr id="3" name="Title 2">
+            <a:extLst>
+              <a:ext uri="{FF2B5EF4-FFF2-40B4-BE49-F238E27FC236}">
+                <a16:creationId xmlns:a16="http://schemas.microsoft.com/office/drawing/2014/main" id="{88F16BB1-8BB3-D715-A797-76B1AEE0B2B8}"/>
+              </a:ext>
+            </a:extLst>
+          </p:cNvPr>
+          <p:cNvSpPr>
+            <a:spLocks noGrp="1"/>
+          </p:cNvSpPr>
+          <p:nvPr>
+            <p:ph type="title"/>
+          </p:nvPr>
+        </p:nvSpPr>
+        <p:spPr/>
+        <p:txBody>
+          <a:bodyPr/>
+          <a:lstStyle/>
+          <a:p>
+            <a:r>
+              <a:rPr lang="en-US" dirty="0" err="1"/>
+              <a:t>Realisering</a:t>
+            </a:r>
+            <a:r>
+              <a:rPr lang="en-US" dirty="0"/>
+              <a:t> </a:t>
+            </a:r>
+            <a:r>
+              <a:rPr lang="en-US" dirty="0" err="1"/>
+              <a:t>af</a:t>
+            </a:r>
+            <a:r>
+              <a:rPr lang="en-US" dirty="0"/>
+              <a:t> filter</a:t>
+            </a:r>
+          </a:p>
+        </p:txBody>
+      </p:sp>
+      <p:sp>
+        <p:nvSpPr>
+          <p:cNvPr id="2" name="Slide Number Placeholder 1">
+            <a:extLst>
+              <a:ext uri="{FF2B5EF4-FFF2-40B4-BE49-F238E27FC236}">
+                <a16:creationId xmlns:a16="http://schemas.microsoft.com/office/drawing/2014/main" id="{CAA7FF90-E66D-CFAF-0C46-7E85C91588A6}"/>
+              </a:ext>
+            </a:extLst>
+          </p:cNvPr>
+          <p:cNvSpPr>
+            <a:spLocks noGrp="1"/>
+          </p:cNvSpPr>
+          <p:nvPr>
+            <p:ph type="sldNum" sz="quarter" idx="12"/>
+          </p:nvPr>
+        </p:nvSpPr>
+        <p:spPr/>
+        <p:txBody>
+          <a:bodyPr/>
+          <a:lstStyle/>
+          <a:p>
+            <a:fld id="{4B04BC67-DFA6-4863-89DB-B4077B3FACAF}" type="slidenum">
+              <a:rPr lang="en-US" smtClean="0"/>
+              <a:t>11</a:t>
+            </a:fld>
+            <a:endParaRPr lang="en-US"/>
+          </a:p>
+        </p:txBody>
+      </p:sp>
+    </p:spTree>
+    <p:extLst>
+      <p:ext uri="{BB962C8B-B14F-4D97-AF65-F5344CB8AC3E}">
+        <p14:creationId xmlns:p14="http://schemas.microsoft.com/office/powerpoint/2010/main" val="913582541"/>
+      </p:ext>
+    </p:extLst>
+  </p:cSld>
+  <p:clrMapOvr>
+    <a:masterClrMapping/>
+  </p:clrMapOvr>
+</p:sld>
+</file>
+
+<file path=ppt/slides/slide12.xml><?xml version="1.0" encoding="utf-8"?>
+<p:sld xmlns:a="http://schemas.openxmlformats.org/drawingml/2006/main" xmlns:r="http://schemas.openxmlformats.org/officeDocument/2006/relationships" xmlns:p="http://schemas.openxmlformats.org/presentationml/2006/main">
+  <p:cSld>
+    <p:spTree>
+      <p:nvGrpSpPr>
+        <p:cNvPr id="1" name=""/>
+        <p:cNvGrpSpPr/>
+        <p:nvPr/>
+      </p:nvGrpSpPr>
+      <p:grpSpPr>
+        <a:xfrm>
+          <a:off x="0" y="0"/>
+          <a:ext cx="0" cy="0"/>
+          <a:chOff x="0" y="0"/>
+          <a:chExt cx="0" cy="0"/>
+        </a:xfrm>
+      </p:grpSpPr>
+      <p:sp>
+        <p:nvSpPr>
           <p:cNvPr id="2" name="Title 1">
             <a:extLst>
               <a:ext uri="{FF2B5EF4-FFF2-40B4-BE49-F238E27FC236}">
@@ -3809,6 +3895,35 @@
           </a:p>
           <a:p>
             <a:endParaRPr lang="en-US" dirty="0"/>
+          </a:p>
+        </p:txBody>
+      </p:sp>
+      <p:sp>
+        <p:nvSpPr>
+          <p:cNvPr id="4" name="Slide Number Placeholder 3">
+            <a:extLst>
+              <a:ext uri="{FF2B5EF4-FFF2-40B4-BE49-F238E27FC236}">
+                <a16:creationId xmlns:a16="http://schemas.microsoft.com/office/drawing/2014/main" id="{0BBDBC56-061C-60D4-8484-3749D0408674}"/>
+              </a:ext>
+            </a:extLst>
+          </p:cNvPr>
+          <p:cNvSpPr>
+            <a:spLocks noGrp="1"/>
+          </p:cNvSpPr>
+          <p:nvPr>
+            <p:ph type="sldNum" sz="quarter" idx="12"/>
+          </p:nvPr>
+        </p:nvSpPr>
+        <p:spPr/>
+        <p:txBody>
+          <a:bodyPr/>
+          <a:lstStyle/>
+          <a:p>
+            <a:fld id="{4B04BC67-DFA6-4863-89DB-B4077B3FACAF}" type="slidenum">
+              <a:rPr lang="en-US" smtClean="0"/>
+              <a:t>12</a:t>
+            </a:fld>
+            <a:endParaRPr lang="en-US"/>
           </a:p>
         </p:txBody>
       </p:sp>
@@ -3945,6 +4060,71 @@
           </a:p>
         </p:txBody>
       </p:sp>
+      <p:pic>
+        <p:nvPicPr>
+          <p:cNvPr id="5" name="Picture 4" descr="A graph of a graph&#10;&#10;Description automatically generated with medium confidence">
+            <a:extLst>
+              <a:ext uri="{FF2B5EF4-FFF2-40B4-BE49-F238E27FC236}">
+                <a16:creationId xmlns:a16="http://schemas.microsoft.com/office/drawing/2014/main" id="{BA06B555-CAD8-2066-53D9-81B9A3A966ED}"/>
+              </a:ext>
+            </a:extLst>
+          </p:cNvPr>
+          <p:cNvPicPr>
+            <a:picLocks noChangeAspect="1"/>
+          </p:cNvPicPr>
+          <p:nvPr/>
+        </p:nvPicPr>
+        <p:blipFill>
+          <a:blip r:embed="rId2">
+            <a:extLst>
+              <a:ext uri="{28A0092B-C50C-407E-A947-70E740481C1C}">
+                <a14:useLocalDpi xmlns:a14="http://schemas.microsoft.com/office/drawing/2010/main" val="0"/>
+              </a:ext>
+            </a:extLst>
+          </a:blip>
+          <a:stretch>
+            <a:fillRect/>
+          </a:stretch>
+        </p:blipFill>
+        <p:spPr>
+          <a:xfrm>
+            <a:off x="0" y="4503876"/>
+            <a:ext cx="12192000" cy="2354124"/>
+          </a:xfrm>
+          <a:prstGeom prst="rect">
+            <a:avLst/>
+          </a:prstGeom>
+        </p:spPr>
+      </p:pic>
+      <p:sp>
+        <p:nvSpPr>
+          <p:cNvPr id="6" name="Slide Number Placeholder 5">
+            <a:extLst>
+              <a:ext uri="{FF2B5EF4-FFF2-40B4-BE49-F238E27FC236}">
+                <a16:creationId xmlns:a16="http://schemas.microsoft.com/office/drawing/2014/main" id="{BC4AFDF7-A541-A383-80EC-98E5E3E57A72}"/>
+              </a:ext>
+            </a:extLst>
+          </p:cNvPr>
+          <p:cNvSpPr>
+            <a:spLocks noGrp="1"/>
+          </p:cNvSpPr>
+          <p:nvPr>
+            <p:ph type="sldNum" sz="quarter" idx="12"/>
+          </p:nvPr>
+        </p:nvSpPr>
+        <p:spPr/>
+        <p:txBody>
+          <a:bodyPr/>
+          <a:lstStyle/>
+          <a:p>
+            <a:fld id="{4B04BC67-DFA6-4863-89DB-B4077B3FACAF}" type="slidenum">
+              <a:rPr lang="en-US" smtClean="0"/>
+              <a:t>2</a:t>
+            </a:fld>
+            <a:endParaRPr lang="en-US"/>
+          </a:p>
+        </p:txBody>
+      </p:sp>
     </p:spTree>
     <p:extLst>
       <p:ext uri="{BB962C8B-B14F-4D97-AF65-F5344CB8AC3E}">
@@ -4070,6 +4250,35 @@
           </a:prstGeom>
         </p:spPr>
       </p:pic>
+      <p:sp>
+        <p:nvSpPr>
+          <p:cNvPr id="3" name="Slide Number Placeholder 2">
+            <a:extLst>
+              <a:ext uri="{FF2B5EF4-FFF2-40B4-BE49-F238E27FC236}">
+                <a16:creationId xmlns:a16="http://schemas.microsoft.com/office/drawing/2014/main" id="{08749A0C-F9DE-CB31-F1EB-5979FAE7290C}"/>
+              </a:ext>
+            </a:extLst>
+          </p:cNvPr>
+          <p:cNvSpPr>
+            <a:spLocks noGrp="1"/>
+          </p:cNvSpPr>
+          <p:nvPr>
+            <p:ph type="sldNum" sz="quarter" idx="12"/>
+          </p:nvPr>
+        </p:nvSpPr>
+        <p:spPr/>
+        <p:txBody>
+          <a:bodyPr/>
+          <a:lstStyle/>
+          <a:p>
+            <a:fld id="{4B04BC67-DFA6-4863-89DB-B4077B3FACAF}" type="slidenum">
+              <a:rPr lang="en-US" smtClean="0"/>
+              <a:t>3</a:t>
+            </a:fld>
+            <a:endParaRPr lang="en-US"/>
+          </a:p>
+        </p:txBody>
+      </p:sp>
     </p:spTree>
     <p:extLst>
       <p:ext uri="{BB962C8B-B14F-4D97-AF65-F5344CB8AC3E}">
@@ -4260,6 +4469,35 @@
               <a:rPr lang="en-US" dirty="0"/>
               <a:t>Husk din Nyquist fs</a:t>
             </a:r>
+          </a:p>
+        </p:txBody>
+      </p:sp>
+      <p:sp>
+        <p:nvSpPr>
+          <p:cNvPr id="5" name="Slide Number Placeholder 4">
+            <a:extLst>
+              <a:ext uri="{FF2B5EF4-FFF2-40B4-BE49-F238E27FC236}">
+                <a16:creationId xmlns:a16="http://schemas.microsoft.com/office/drawing/2014/main" id="{263F320B-A54B-60DA-7FF3-ED8217D730EF}"/>
+              </a:ext>
+            </a:extLst>
+          </p:cNvPr>
+          <p:cNvSpPr>
+            <a:spLocks noGrp="1"/>
+          </p:cNvSpPr>
+          <p:nvPr>
+            <p:ph type="sldNum" sz="quarter" idx="12"/>
+          </p:nvPr>
+        </p:nvSpPr>
+        <p:spPr/>
+        <p:txBody>
+          <a:bodyPr/>
+          <a:lstStyle/>
+          <a:p>
+            <a:fld id="{4B04BC67-DFA6-4863-89DB-B4077B3FACAF}" type="slidenum">
+              <a:rPr lang="en-US" smtClean="0"/>
+              <a:t>4</a:t>
+            </a:fld>
+            <a:endParaRPr lang="en-US"/>
           </a:p>
         </p:txBody>
       </p:sp>
@@ -4323,6 +4561,35 @@
           </a:prstGeom>
         </p:spPr>
       </p:pic>
+      <p:sp>
+        <p:nvSpPr>
+          <p:cNvPr id="2" name="Slide Number Placeholder 1">
+            <a:extLst>
+              <a:ext uri="{FF2B5EF4-FFF2-40B4-BE49-F238E27FC236}">
+                <a16:creationId xmlns:a16="http://schemas.microsoft.com/office/drawing/2014/main" id="{D82BEE4C-31E8-B124-367D-10F80A2CA25C}"/>
+              </a:ext>
+            </a:extLst>
+          </p:cNvPr>
+          <p:cNvSpPr>
+            <a:spLocks noGrp="1"/>
+          </p:cNvSpPr>
+          <p:nvPr>
+            <p:ph type="sldNum" sz="quarter" idx="12"/>
+          </p:nvPr>
+        </p:nvSpPr>
+        <p:spPr/>
+        <p:txBody>
+          <a:bodyPr/>
+          <a:lstStyle/>
+          <a:p>
+            <a:fld id="{4B04BC67-DFA6-4863-89DB-B4077B3FACAF}" type="slidenum">
+              <a:rPr lang="en-US" smtClean="0"/>
+              <a:t>5</a:t>
+            </a:fld>
+            <a:endParaRPr lang="en-US"/>
+          </a:p>
+        </p:txBody>
+      </p:sp>
     </p:spTree>
     <p:extLst>
       <p:ext uri="{BB962C8B-B14F-4D97-AF65-F5344CB8AC3E}">
@@ -4431,6 +4698,35 @@
           </a:p>
           <a:p>
             <a:endParaRPr lang="da-DK" dirty="0"/>
+          </a:p>
+        </p:txBody>
+      </p:sp>
+      <p:sp>
+        <p:nvSpPr>
+          <p:cNvPr id="4" name="Slide Number Placeholder 3">
+            <a:extLst>
+              <a:ext uri="{FF2B5EF4-FFF2-40B4-BE49-F238E27FC236}">
+                <a16:creationId xmlns:a16="http://schemas.microsoft.com/office/drawing/2014/main" id="{ADB99F26-6A90-C976-6E63-0BDEEABE689B}"/>
+              </a:ext>
+            </a:extLst>
+          </p:cNvPr>
+          <p:cNvSpPr>
+            <a:spLocks noGrp="1"/>
+          </p:cNvSpPr>
+          <p:nvPr>
+            <p:ph type="sldNum" sz="quarter" idx="12"/>
+          </p:nvPr>
+        </p:nvSpPr>
+        <p:spPr/>
+        <p:txBody>
+          <a:bodyPr/>
+          <a:lstStyle/>
+          <a:p>
+            <a:fld id="{4B04BC67-DFA6-4863-89DB-B4077B3FACAF}" type="slidenum">
+              <a:rPr lang="en-US" smtClean="0"/>
+              <a:t>6</a:t>
+            </a:fld>
+            <a:endParaRPr lang="en-US"/>
           </a:p>
         </p:txBody>
       </p:sp>
@@ -4494,6 +4790,35 @@
           </a:prstGeom>
         </p:spPr>
       </p:pic>
+      <p:sp>
+        <p:nvSpPr>
+          <p:cNvPr id="2" name="Slide Number Placeholder 1">
+            <a:extLst>
+              <a:ext uri="{FF2B5EF4-FFF2-40B4-BE49-F238E27FC236}">
+                <a16:creationId xmlns:a16="http://schemas.microsoft.com/office/drawing/2014/main" id="{833B96EE-3A75-EC03-A5CD-07B6853CE0B1}"/>
+              </a:ext>
+            </a:extLst>
+          </p:cNvPr>
+          <p:cNvSpPr>
+            <a:spLocks noGrp="1"/>
+          </p:cNvSpPr>
+          <p:nvPr>
+            <p:ph type="sldNum" sz="quarter" idx="12"/>
+          </p:nvPr>
+        </p:nvSpPr>
+        <p:spPr/>
+        <p:txBody>
+          <a:bodyPr/>
+          <a:lstStyle/>
+          <a:p>
+            <a:fld id="{4B04BC67-DFA6-4863-89DB-B4077B3FACAF}" type="slidenum">
+              <a:rPr lang="en-US" smtClean="0"/>
+              <a:t>7</a:t>
+            </a:fld>
+            <a:endParaRPr lang="en-US"/>
+          </a:p>
+        </p:txBody>
+      </p:sp>
     </p:spTree>
     <p:extLst>
       <p:ext uri="{BB962C8B-B14F-4D97-AF65-F5344CB8AC3E}">
@@ -4554,6 +4879,35 @@
           </a:prstGeom>
         </p:spPr>
       </p:pic>
+      <p:sp>
+        <p:nvSpPr>
+          <p:cNvPr id="2" name="Slide Number Placeholder 1">
+            <a:extLst>
+              <a:ext uri="{FF2B5EF4-FFF2-40B4-BE49-F238E27FC236}">
+                <a16:creationId xmlns:a16="http://schemas.microsoft.com/office/drawing/2014/main" id="{90C52B1D-F6E9-F93A-1261-A49FBCF7C8EE}"/>
+              </a:ext>
+            </a:extLst>
+          </p:cNvPr>
+          <p:cNvSpPr>
+            <a:spLocks noGrp="1"/>
+          </p:cNvSpPr>
+          <p:nvPr>
+            <p:ph type="sldNum" sz="quarter" idx="12"/>
+          </p:nvPr>
+        </p:nvSpPr>
+        <p:spPr/>
+        <p:txBody>
+          <a:bodyPr/>
+          <a:lstStyle/>
+          <a:p>
+            <a:fld id="{4B04BC67-DFA6-4863-89DB-B4077B3FACAF}" type="slidenum">
+              <a:rPr lang="en-US" smtClean="0"/>
+              <a:t>8</a:t>
+            </a:fld>
+            <a:endParaRPr lang="en-US"/>
+          </a:p>
+        </p:txBody>
+      </p:sp>
     </p:spTree>
     <p:extLst>
       <p:ext uri="{BB962C8B-B14F-4D97-AF65-F5344CB8AC3E}">
@@ -4614,6 +4968,35 @@
           </a:prstGeom>
         </p:spPr>
       </p:pic>
+      <p:sp>
+        <p:nvSpPr>
+          <p:cNvPr id="2" name="Slide Number Placeholder 1">
+            <a:extLst>
+              <a:ext uri="{FF2B5EF4-FFF2-40B4-BE49-F238E27FC236}">
+                <a16:creationId xmlns:a16="http://schemas.microsoft.com/office/drawing/2014/main" id="{FAD28AE7-458D-F943-D4F3-83E86559ED60}"/>
+              </a:ext>
+            </a:extLst>
+          </p:cNvPr>
+          <p:cNvSpPr>
+            <a:spLocks noGrp="1"/>
+          </p:cNvSpPr>
+          <p:nvPr>
+            <p:ph type="sldNum" sz="quarter" idx="12"/>
+          </p:nvPr>
+        </p:nvSpPr>
+        <p:spPr/>
+        <p:txBody>
+          <a:bodyPr/>
+          <a:lstStyle/>
+          <a:p>
+            <a:fld id="{4B04BC67-DFA6-4863-89DB-B4077B3FACAF}" type="slidenum">
+              <a:rPr lang="en-US" smtClean="0"/>
+              <a:t>9</a:t>
+            </a:fld>
+            <a:endParaRPr lang="en-US"/>
+          </a:p>
+        </p:txBody>
+      </p:sp>
     </p:spTree>
     <p:extLst>
       <p:ext uri="{BB962C8B-B14F-4D97-AF65-F5344CB8AC3E}">
